--- a/Welcome Deck.pptx
+++ b/Welcome Deck.pptx
@@ -6,13 +6,14 @@
     <p:sldMasterId id="2147483662" r:id="rId5"/>
   </p:sldMasterIdLst>
   <p:notesMasterIdLst>
-    <p:notesMasterId r:id="rId10"/>
+    <p:notesMasterId r:id="rId11"/>
   </p:notesMasterIdLst>
   <p:sldIdLst>
     <p:sldId id="1808" r:id="rId6"/>
     <p:sldId id="1809" r:id="rId7"/>
     <p:sldId id="4694" r:id="rId8"/>
-    <p:sldId id="4692" r:id="rId9"/>
+    <p:sldId id="4695" r:id="rId9"/>
+    <p:sldId id="4692" r:id="rId10"/>
   </p:sldIdLst>
   <p:sldSz cx="12192000" cy="6858000"/>
   <p:notesSz cx="6858000" cy="9144000"/>
@@ -201,7 +202,7 @@
           <a:p>
             <a:fld id="{DEEEC1F9-3975-4E55-ACFF-CFA0DADC941F}" type="datetimeFigureOut">
               <a:rPr lang="en-US" smtClean="0"/>
-              <a:t>4/4/2019</a:t>
+              <a:t>4/5/2019</a:t>
             </a:fld>
             <a:endParaRPr lang="en-US"/>
           </a:p>
@@ -675,7 +676,7 @@
                 <a:tabLst/>
                 <a:defRPr/>
               </a:pPr>
-              <a:t>4</a:t>
+              <a:t>5</a:t>
             </a:fld>
             <a:endParaRPr kumimoji="0" lang="en-US" sz="1200" b="0" i="0" u="none" strike="noStrike" kern="1200" cap="none" spc="0" normalizeH="0" baseline="0" noProof="0">
               <a:ln>
@@ -854,7 +855,7 @@
           <a:p>
             <a:fld id="{A63C19E8-8DD5-4475-8F05-2B31A1B8DE1A}" type="datetimeFigureOut">
               <a:rPr lang="en-US" smtClean="0"/>
-              <a:t>4/4/2019</a:t>
+              <a:t>4/5/2019</a:t>
             </a:fld>
             <a:endParaRPr lang="en-US"/>
           </a:p>
@@ -1052,7 +1053,7 @@
           <a:p>
             <a:fld id="{A63C19E8-8DD5-4475-8F05-2B31A1B8DE1A}" type="datetimeFigureOut">
               <a:rPr lang="en-US" smtClean="0"/>
-              <a:t>4/4/2019</a:t>
+              <a:t>4/5/2019</a:t>
             </a:fld>
             <a:endParaRPr lang="en-US"/>
           </a:p>
@@ -1260,7 +1261,7 @@
           <a:p>
             <a:fld id="{A63C19E8-8DD5-4475-8F05-2B31A1B8DE1A}" type="datetimeFigureOut">
               <a:rPr lang="en-US" smtClean="0"/>
-              <a:t>4/4/2019</a:t>
+              <a:t>4/5/2019</a:t>
             </a:fld>
             <a:endParaRPr lang="en-US"/>
           </a:p>
@@ -3590,7 +3591,7 @@
           <a:p>
             <a:fld id="{A63C19E8-8DD5-4475-8F05-2B31A1B8DE1A}" type="datetimeFigureOut">
               <a:rPr lang="en-US" smtClean="0"/>
-              <a:t>4/4/2019</a:t>
+              <a:t>4/5/2019</a:t>
             </a:fld>
             <a:endParaRPr lang="en-US"/>
           </a:p>
@@ -3847,7 +3848,7 @@
           <a:graphicData uri="http://schemas.openxmlformats.org/presentationml/2006/ole">
             <mc:AlternateContent xmlns:mc="http://schemas.openxmlformats.org/markup-compatibility/2006">
               <mc:Choice xmlns:v="urn:schemas-microsoft-com:vml" Requires="v">
-                <p:oleObj spid="_x0000_s1048" name="think-cell Slide" r:id="rId4" imgW="270" imgH="270" progId="TCLayout.ActiveDocument.1">
+                <p:oleObj spid="_x0000_s1055" name="think-cell Slide" r:id="rId4" imgW="270" imgH="270" progId="TCLayout.ActiveDocument.1">
                   <p:embed/>
                 </p:oleObj>
               </mc:Choice>
@@ -5505,7 +5506,7 @@
           <a:graphicData uri="http://schemas.openxmlformats.org/presentationml/2006/ole">
             <mc:AlternateContent xmlns:mc="http://schemas.openxmlformats.org/markup-compatibility/2006">
               <mc:Choice xmlns:v="urn:schemas-microsoft-com:vml" Requires="v">
-                <p:oleObj spid="_x0000_s2072" name="think-cell Slide" r:id="rId5" imgW="270" imgH="270" progId="TCLayout.ActiveDocument.1">
+                <p:oleObj spid="_x0000_s2079" name="think-cell Slide" r:id="rId5" imgW="270" imgH="270" progId="TCLayout.ActiveDocument.1">
                   <p:embed/>
                 </p:oleObj>
               </mc:Choice>
@@ -5941,7 +5942,7 @@
           <a:p>
             <a:fld id="{A63C19E8-8DD5-4475-8F05-2B31A1B8DE1A}" type="datetimeFigureOut">
               <a:rPr lang="en-US" smtClean="0"/>
-              <a:t>4/4/2019</a:t>
+              <a:t>4/5/2019</a:t>
             </a:fld>
             <a:endParaRPr lang="en-US"/>
           </a:p>
@@ -6206,7 +6207,7 @@
           <a:p>
             <a:fld id="{A63C19E8-8DD5-4475-8F05-2B31A1B8DE1A}" type="datetimeFigureOut">
               <a:rPr lang="en-US" smtClean="0"/>
-              <a:t>4/4/2019</a:t>
+              <a:t>4/5/2019</a:t>
             </a:fld>
             <a:endParaRPr lang="en-US"/>
           </a:p>
@@ -6618,7 +6619,7 @@
           <a:p>
             <a:fld id="{A63C19E8-8DD5-4475-8F05-2B31A1B8DE1A}" type="datetimeFigureOut">
               <a:rPr lang="en-US" smtClean="0"/>
-              <a:t>4/4/2019</a:t>
+              <a:t>4/5/2019</a:t>
             </a:fld>
             <a:endParaRPr lang="en-US"/>
           </a:p>
@@ -6759,7 +6760,7 @@
           <a:p>
             <a:fld id="{A63C19E8-8DD5-4475-8F05-2B31A1B8DE1A}" type="datetimeFigureOut">
               <a:rPr lang="en-US" smtClean="0"/>
-              <a:t>4/4/2019</a:t>
+              <a:t>4/5/2019</a:t>
             </a:fld>
             <a:endParaRPr lang="en-US"/>
           </a:p>
@@ -6872,7 +6873,7 @@
           <a:p>
             <a:fld id="{A63C19E8-8DD5-4475-8F05-2B31A1B8DE1A}" type="datetimeFigureOut">
               <a:rPr lang="en-US" smtClean="0"/>
-              <a:t>4/4/2019</a:t>
+              <a:t>4/5/2019</a:t>
             </a:fld>
             <a:endParaRPr lang="en-US"/>
           </a:p>
@@ -7183,7 +7184,7 @@
           <a:p>
             <a:fld id="{A63C19E8-8DD5-4475-8F05-2B31A1B8DE1A}" type="datetimeFigureOut">
               <a:rPr lang="en-US" smtClean="0"/>
-              <a:t>4/4/2019</a:t>
+              <a:t>4/5/2019</a:t>
             </a:fld>
             <a:endParaRPr lang="en-US"/>
           </a:p>
@@ -7471,7 +7472,7 @@
           <a:p>
             <a:fld id="{A63C19E8-8DD5-4475-8F05-2B31A1B8DE1A}" type="datetimeFigureOut">
               <a:rPr lang="en-US" smtClean="0"/>
-              <a:t>4/4/2019</a:t>
+              <a:t>4/5/2019</a:t>
             </a:fld>
             <a:endParaRPr lang="en-US"/>
           </a:p>
@@ -7712,7 +7713,7 @@
           <a:p>
             <a:fld id="{A63C19E8-8DD5-4475-8F05-2B31A1B8DE1A}" type="datetimeFigureOut">
               <a:rPr lang="en-US" smtClean="0"/>
-              <a:t>4/4/2019</a:t>
+              <a:t>4/5/2019</a:t>
             </a:fld>
             <a:endParaRPr lang="en-US"/>
           </a:p>
@@ -12562,6 +12563,242 @@
           <a:chExt cx="0" cy="0"/>
         </a:xfrm>
       </p:grpSpPr>
+      <p:sp>
+        <p:nvSpPr>
+          <p:cNvPr id="2" name="Title 1">
+            <a:extLst>
+              <a:ext uri="{FF2B5EF4-FFF2-40B4-BE49-F238E27FC236}">
+                <a16:creationId xmlns:a16="http://schemas.microsoft.com/office/drawing/2014/main" id="{994025C7-8697-495F-B648-37F14D316B86}"/>
+              </a:ext>
+            </a:extLst>
+          </p:cNvPr>
+          <p:cNvSpPr>
+            <a:spLocks noGrp="1"/>
+          </p:cNvSpPr>
+          <p:nvPr>
+            <p:ph type="title"/>
+          </p:nvPr>
+        </p:nvSpPr>
+        <p:spPr/>
+        <p:txBody>
+          <a:bodyPr/>
+          <a:lstStyle/>
+          <a:p>
+            <a:r>
+              <a:rPr lang="es-ES" dirty="0" err="1"/>
+              <a:t>Want</a:t>
+            </a:r>
+            <a:r>
+              <a:rPr lang="es-ES" dirty="0"/>
+              <a:t> </a:t>
+            </a:r>
+            <a:r>
+              <a:rPr lang="es-ES" dirty="0" err="1"/>
+              <a:t>to</a:t>
+            </a:r>
+            <a:r>
+              <a:rPr lang="es-ES" dirty="0"/>
+              <a:t> </a:t>
+            </a:r>
+            <a:r>
+              <a:rPr lang="es-ES" dirty="0" err="1"/>
+              <a:t>follow</a:t>
+            </a:r>
+            <a:r>
+              <a:rPr lang="es-ES" dirty="0"/>
+              <a:t> me?</a:t>
+            </a:r>
+            <a:br>
+              <a:rPr lang="es-ES" dirty="0"/>
+            </a:br>
+            <a:r>
+              <a:rPr lang="es-ES" dirty="0">
+                <a:solidFill>
+                  <a:schemeClr val="accent1">
+                    <a:lumMod val="75000"/>
+                  </a:schemeClr>
+                </a:solidFill>
+                <a:hlinkClick r:id="rId2">
+                  <a:extLst>
+                    <a:ext uri="{A12FA001-AC4F-418D-AE19-62706E023703}">
+                      <ahyp:hlinkClr xmlns:ahyp="http://schemas.microsoft.com/office/drawing/2018/hyperlinkcolor" val="tx"/>
+                    </a:ext>
+                  </a:extLst>
+                </a:hlinkClick>
+              </a:rPr>
+              <a:t>Check </a:t>
+            </a:r>
+            <a:r>
+              <a:rPr lang="es-ES" dirty="0" err="1">
+                <a:solidFill>
+                  <a:schemeClr val="accent1">
+                    <a:lumMod val="75000"/>
+                  </a:schemeClr>
+                </a:solidFill>
+                <a:hlinkClick r:id="rId2">
+                  <a:extLst>
+                    <a:ext uri="{A12FA001-AC4F-418D-AE19-62706E023703}">
+                      <ahyp:hlinkClr xmlns:ahyp="http://schemas.microsoft.com/office/drawing/2018/hyperlinkcolor" val="tx"/>
+                    </a:ext>
+                  </a:extLst>
+                </a:hlinkClick>
+              </a:rPr>
+              <a:t>out</a:t>
+            </a:r>
+            <a:r>
+              <a:rPr lang="es-ES" dirty="0">
+                <a:solidFill>
+                  <a:schemeClr val="accent1">
+                    <a:lumMod val="75000"/>
+                  </a:schemeClr>
+                </a:solidFill>
+                <a:hlinkClick r:id="rId2">
+                  <a:extLst>
+                    <a:ext uri="{A12FA001-AC4F-418D-AE19-62706E023703}">
+                      <ahyp:hlinkClr xmlns:ahyp="http://schemas.microsoft.com/office/drawing/2018/hyperlinkcolor" val="tx"/>
+                    </a:ext>
+                  </a:extLst>
+                </a:hlinkClick>
+              </a:rPr>
+              <a:t> </a:t>
+            </a:r>
+            <a:r>
+              <a:rPr lang="es-ES" dirty="0" err="1">
+                <a:solidFill>
+                  <a:schemeClr val="accent1">
+                    <a:lumMod val="75000"/>
+                  </a:schemeClr>
+                </a:solidFill>
+                <a:hlinkClick r:id="rId2">
+                  <a:extLst>
+                    <a:ext uri="{A12FA001-AC4F-418D-AE19-62706E023703}">
+                      <ahyp:hlinkClr xmlns:ahyp="http://schemas.microsoft.com/office/drawing/2018/hyperlinkcolor" val="tx"/>
+                    </a:ext>
+                  </a:extLst>
+                </a:hlinkClick>
+              </a:rPr>
+              <a:t>the</a:t>
+            </a:r>
+            <a:r>
+              <a:rPr lang="es-ES" dirty="0">
+                <a:solidFill>
+                  <a:schemeClr val="accent1">
+                    <a:lumMod val="75000"/>
+                  </a:schemeClr>
+                </a:solidFill>
+                <a:hlinkClick r:id="rId2">
+                  <a:extLst>
+                    <a:ext uri="{A12FA001-AC4F-418D-AE19-62706E023703}">
+                      <ahyp:hlinkClr xmlns:ahyp="http://schemas.microsoft.com/office/drawing/2018/hyperlinkcolor" val="tx"/>
+                    </a:ext>
+                  </a:extLst>
+                </a:hlinkClick>
+              </a:rPr>
+              <a:t> </a:t>
+            </a:r>
+            <a:r>
+              <a:rPr lang="es-ES" dirty="0" err="1">
+                <a:solidFill>
+                  <a:schemeClr val="accent1">
+                    <a:lumMod val="75000"/>
+                  </a:schemeClr>
+                </a:solidFill>
+                <a:hlinkClick r:id="rId2">
+                  <a:extLst>
+                    <a:ext uri="{A12FA001-AC4F-418D-AE19-62706E023703}">
+                      <ahyp:hlinkClr xmlns:ahyp="http://schemas.microsoft.com/office/drawing/2018/hyperlinkcolor" val="tx"/>
+                    </a:ext>
+                  </a:extLst>
+                </a:hlinkClick>
+              </a:rPr>
+              <a:t>Slide</a:t>
+            </a:r>
+            <a:r>
+              <a:rPr lang="es-ES" dirty="0">
+                <a:solidFill>
+                  <a:schemeClr val="accent1">
+                    <a:lumMod val="75000"/>
+                  </a:schemeClr>
+                </a:solidFill>
+                <a:hlinkClick r:id="rId2">
+                  <a:extLst>
+                    <a:ext uri="{A12FA001-AC4F-418D-AE19-62706E023703}">
+                      <ahyp:hlinkClr xmlns:ahyp="http://schemas.microsoft.com/office/drawing/2018/hyperlinkcolor" val="tx"/>
+                    </a:ext>
+                  </a:extLst>
+                </a:hlinkClick>
+              </a:rPr>
+              <a:t> </a:t>
+            </a:r>
+            <a:r>
+              <a:rPr lang="es-ES" dirty="0" err="1">
+                <a:solidFill>
+                  <a:schemeClr val="accent1">
+                    <a:lumMod val="75000"/>
+                  </a:schemeClr>
+                </a:solidFill>
+                <a:hlinkClick r:id="rId2">
+                  <a:extLst>
+                    <a:ext uri="{A12FA001-AC4F-418D-AE19-62706E023703}">
+                      <ahyp:hlinkClr xmlns:ahyp="http://schemas.microsoft.com/office/drawing/2018/hyperlinkcolor" val="tx"/>
+                    </a:ext>
+                  </a:extLst>
+                </a:hlinkClick>
+              </a:rPr>
+              <a:t>Deck</a:t>
+            </a:r>
+            <a:endParaRPr lang="es-MX" dirty="0">
+              <a:solidFill>
+                <a:schemeClr val="accent1">
+                  <a:lumMod val="75000"/>
+                </a:schemeClr>
+              </a:solidFill>
+            </a:endParaRPr>
+          </a:p>
+        </p:txBody>
+      </p:sp>
+    </p:spTree>
+    <p:extLst>
+      <p:ext uri="{BB962C8B-B14F-4D97-AF65-F5344CB8AC3E}">
+        <p14:creationId xmlns:p14="http://schemas.microsoft.com/office/powerpoint/2010/main" val="341994609"/>
+      </p:ext>
+    </p:extLst>
+  </p:cSld>
+  <p:clrMapOvr>
+    <a:masterClrMapping/>
+  </p:clrMapOvr>
+  <mc:AlternateContent xmlns:mc="http://schemas.openxmlformats.org/markup-compatibility/2006" xmlns:p14="http://schemas.microsoft.com/office/powerpoint/2010/main">
+    <mc:Choice Requires="p14">
+      <p:transition spd="med" p14:dur="700">
+        <p:fade/>
+      </p:transition>
+    </mc:Choice>
+    <mc:Fallback xmlns="">
+      <p:transition spd="med">
+        <p:fade/>
+      </p:transition>
+    </mc:Fallback>
+  </mc:AlternateContent>
+</p:sld>
+</file>
+
+<file path=ppt/slides/slide5.xml><?xml version="1.0" encoding="utf-8"?>
+<p:sld xmlns:a="http://schemas.openxmlformats.org/drawingml/2006/main" xmlns:r="http://schemas.openxmlformats.org/officeDocument/2006/relationships" xmlns:p="http://schemas.openxmlformats.org/presentationml/2006/main">
+  <p:cSld>
+    <p:spTree>
+      <p:nvGrpSpPr>
+        <p:cNvPr id="1" name=""/>
+        <p:cNvGrpSpPr/>
+        <p:nvPr/>
+      </p:nvGrpSpPr>
+      <p:grpSpPr>
+        <a:xfrm>
+          <a:off x="0" y="0"/>
+          <a:ext cx="0" cy="0"/>
+          <a:chOff x="0" y="0"/>
+          <a:chExt cx="0" cy="0"/>
+        </a:xfrm>
+      </p:grpSpPr>
       <p:graphicFrame>
         <p:nvGraphicFramePr>
           <p:cNvPr id="27" name="Object 26" hidden="1"/>
@@ -12583,7 +12820,7 @@
           <a:graphicData uri="http://schemas.openxmlformats.org/presentationml/2006/ole">
             <mc:AlternateContent xmlns:mc="http://schemas.openxmlformats.org/markup-compatibility/2006">
               <mc:Choice xmlns:v="urn:schemas-microsoft-com:vml" Requires="v">
-                <p:oleObj spid="_x0000_s3096" name="think-cell Slide" r:id="rId5" imgW="270" imgH="270" progId="TCLayout.ActiveDocument.1">
+                <p:oleObj spid="_x0000_s3103" name="think-cell Slide" r:id="rId5" imgW="270" imgH="270" progId="TCLayout.ActiveDocument.1">
                   <p:embed/>
                 </p:oleObj>
               </mc:Choice>
@@ -12700,7 +12937,7 @@
                 <a:tabLst/>
                 <a:defRPr/>
               </a:pPr>
-              <a:t>4</a:t>
+              <a:t>5</a:t>
             </a:fld>
             <a:endParaRPr kumimoji="0" lang="en-US" sz="800" b="0" i="0" u="none" strike="noStrike" kern="1200" cap="none" spc="0" normalizeH="0" baseline="0" noProof="0">
               <a:ln>
@@ -12943,7 +13180,7 @@
                 <a:tabLst/>
                 <a:defRPr/>
               </a:pPr>
-              <a:t>4</a:t>
+              <a:t>5</a:t>
             </a:fld>
             <a:endParaRPr kumimoji="0" lang="en-US" sz="800" b="0" i="0" u="none" strike="noStrike" kern="1200" cap="none" spc="0" normalizeH="0" baseline="0" noProof="0" dirty="0">
               <a:ln>
@@ -17273,9 +17510,12 @@
 </file>
 
 <file path=customXml/item1.xml><?xml version="1.0" encoding="utf-8"?>
-<p:properties xmlns:p="http://schemas.microsoft.com/office/2006/metadata/properties" xmlns:xsi="http://www.w3.org/2001/XMLSchema-instance" xmlns:pc="http://schemas.microsoft.com/office/infopath/2007/PartnerControls">
-  <documentManagement/>
-</p:properties>
+<?mso-contentType ?>
+<FormTemplates xmlns="http://schemas.microsoft.com/sharepoint/v3/contenttype/forms">
+  <Display>DocumentLibraryForm</Display>
+  <Edit>DocumentLibraryForm</Edit>
+  <New>DocumentLibraryForm</New>
+</FormTemplates>
 </file>
 
 <file path=customXml/item2.xml><?xml version="1.0" encoding="utf-8"?>
@@ -17431,27 +17671,15 @@
 </file>
 
 <file path=customXml/item3.xml><?xml version="1.0" encoding="utf-8"?>
-<?mso-contentType ?>
-<FormTemplates xmlns="http://schemas.microsoft.com/sharepoint/v3/contenttype/forms">
-  <Display>DocumentLibraryForm</Display>
-  <Edit>DocumentLibraryForm</Edit>
-  <New>DocumentLibraryForm</New>
-</FormTemplates>
+<p:properties xmlns:p="http://schemas.microsoft.com/office/2006/metadata/properties" xmlns:xsi="http://www.w3.org/2001/XMLSchema-instance" xmlns:pc="http://schemas.microsoft.com/office/infopath/2007/PartnerControls">
+  <documentManagement/>
+</p:properties>
 </file>
 
 <file path=customXml/itemProps1.xml><?xml version="1.0" encoding="utf-8"?>
-<ds:datastoreItem xmlns:ds="http://schemas.openxmlformats.org/officeDocument/2006/customXml" ds:itemID="{D1236E35-AFDA-4449-AE61-99F2BC7CC419}">
+<ds:datastoreItem xmlns:ds="http://schemas.openxmlformats.org/officeDocument/2006/customXml" ds:itemID="{99485881-6012-4CF1-BF5A-57C98AD2B100}">
   <ds:schemaRefs>
-    <ds:schemaRef ds:uri="http://www.w3.org/XML/1998/namespace"/>
-    <ds:schemaRef ds:uri="http://purl.org/dc/elements/1.1/"/>
-    <ds:schemaRef ds:uri="http://purl.org/dc/dcmitype/"/>
-    <ds:schemaRef ds:uri="http://schemas.microsoft.com/office/infopath/2007/PartnerControls"/>
-    <ds:schemaRef ds:uri="http://purl.org/dc/terms/"/>
-    <ds:schemaRef ds:uri="http://schemas.microsoft.com/office/2006/documentManagement/types"/>
-    <ds:schemaRef ds:uri="http://schemas.openxmlformats.org/package/2006/metadata/core-properties"/>
-    <ds:schemaRef ds:uri="7ed6644c-dfb3-4200-bc27-900550d079ea"/>
-    <ds:schemaRef ds:uri="http://schemas.microsoft.com/sharepoint/v3"/>
-    <ds:schemaRef ds:uri="http://schemas.microsoft.com/office/2006/metadata/properties"/>
+    <ds:schemaRef ds:uri="http://schemas.microsoft.com/sharepoint/v3/contenttype/forms"/>
   </ds:schemaRefs>
 </ds:datastoreItem>
 </file>
@@ -17475,9 +17703,18 @@
 </file>
 
 <file path=customXml/itemProps3.xml><?xml version="1.0" encoding="utf-8"?>
-<ds:datastoreItem xmlns:ds="http://schemas.openxmlformats.org/officeDocument/2006/customXml" ds:itemID="{99485881-6012-4CF1-BF5A-57C98AD2B100}">
+<ds:datastoreItem xmlns:ds="http://schemas.openxmlformats.org/officeDocument/2006/customXml" ds:itemID="{D1236E35-AFDA-4449-AE61-99F2BC7CC419}">
   <ds:schemaRefs>
-    <ds:schemaRef ds:uri="http://schemas.microsoft.com/sharepoint/v3/contenttype/forms"/>
+    <ds:schemaRef ds:uri="http://www.w3.org/XML/1998/namespace"/>
+    <ds:schemaRef ds:uri="http://purl.org/dc/elements/1.1/"/>
+    <ds:schemaRef ds:uri="http://purl.org/dc/dcmitype/"/>
+    <ds:schemaRef ds:uri="http://schemas.microsoft.com/office/infopath/2007/PartnerControls"/>
+    <ds:schemaRef ds:uri="http://purl.org/dc/terms/"/>
+    <ds:schemaRef ds:uri="http://schemas.microsoft.com/office/2006/documentManagement/types"/>
+    <ds:schemaRef ds:uri="http://schemas.openxmlformats.org/package/2006/metadata/core-properties"/>
+    <ds:schemaRef ds:uri="7ed6644c-dfb3-4200-bc27-900550d079ea"/>
+    <ds:schemaRef ds:uri="http://schemas.microsoft.com/sharepoint/v3"/>
+    <ds:schemaRef ds:uri="http://schemas.microsoft.com/office/2006/metadata/properties"/>
   </ds:schemaRefs>
 </ds:datastoreItem>
 </file>
--- a/Welcome Deck.pptx
+++ b/Welcome Deck.pptx
@@ -3848,7 +3848,7 @@
           <a:graphicData uri="http://schemas.openxmlformats.org/presentationml/2006/ole">
             <mc:AlternateContent xmlns:mc="http://schemas.openxmlformats.org/markup-compatibility/2006">
               <mc:Choice xmlns:v="urn:schemas-microsoft-com:vml" Requires="v">
-                <p:oleObj spid="_x0000_s1055" name="think-cell Slide" r:id="rId4" imgW="270" imgH="270" progId="TCLayout.ActiveDocument.1">
+                <p:oleObj spid="_x0000_s1059" name="think-cell Slide" r:id="rId4" imgW="270" imgH="270" progId="TCLayout.ActiveDocument.1">
                   <p:embed/>
                 </p:oleObj>
               </mc:Choice>
@@ -5506,7 +5506,7 @@
           <a:graphicData uri="http://schemas.openxmlformats.org/presentationml/2006/ole">
             <mc:AlternateContent xmlns:mc="http://schemas.openxmlformats.org/markup-compatibility/2006">
               <mc:Choice xmlns:v="urn:schemas-microsoft-com:vml" Requires="v">
-                <p:oleObj spid="_x0000_s2079" name="think-cell Slide" r:id="rId5" imgW="270" imgH="270" progId="TCLayout.ActiveDocument.1">
+                <p:oleObj spid="_x0000_s2083" name="think-cell Slide" r:id="rId5" imgW="270" imgH="270" progId="TCLayout.ActiveDocument.1">
                   <p:embed/>
                 </p:oleObj>
               </mc:Choice>
@@ -11820,7 +11820,7 @@
                 </a:solidFill>
                 <a:latin typeface="Segoe UI Semibold"/>
               </a:rPr>
-              <a:t>Microsoft Azure </a:t>
+              <a:t>Azure </a:t>
             </a:r>
             <a:br>
               <a:rPr lang="en-US" sz="4902" spc="-49" dirty="0">
@@ -12283,38 +12283,14 @@
           <a:p>
             <a:pPr defTabSz="914367"/>
             <a:r>
-              <a:rPr lang="es-MX" sz="5400" b="1" dirty="0">
+              <a:rPr lang="en-GB" sz="5400" b="1" dirty="0">
                 <a:solidFill>
                   <a:schemeClr val="bg1"/>
                 </a:solidFill>
               </a:rPr>
-              <a:t>US </a:t>
+              <a:t>US Developer Readiness</a:t>
             </a:r>
-            <a:r>
-              <a:rPr lang="es-MX" sz="5400" b="1" dirty="0" err="1">
-                <a:solidFill>
-                  <a:schemeClr val="bg1"/>
-                </a:solidFill>
-              </a:rPr>
-              <a:t>Developer</a:t>
-            </a:r>
-            <a:r>
-              <a:rPr lang="es-MX" sz="5400" b="1" dirty="0">
-                <a:solidFill>
-                  <a:schemeClr val="bg1"/>
-                </a:solidFill>
-              </a:rPr>
-              <a:t> </a:t>
-            </a:r>
-            <a:r>
-              <a:rPr lang="es-MX" sz="5400" b="1" dirty="0" err="1">
-                <a:solidFill>
-                  <a:schemeClr val="bg1"/>
-                </a:solidFill>
-              </a:rPr>
-              <a:t>Readiness</a:t>
-            </a:r>
-            <a:endParaRPr lang="en-US" sz="4902" spc="-49" dirty="0">
+            <a:endParaRPr lang="en-GB" sz="4902" spc="-49" dirty="0">
               <a:solidFill>
                 <a:schemeClr val="bg1"/>
               </a:solidFill>
@@ -12351,108 +12327,64 @@
           <a:lstStyle/>
           <a:p>
             <a:r>
-              <a:rPr lang="es-ES" dirty="0" err="1">
+              <a:rPr lang="en-GB" dirty="0">
                 <a:solidFill>
                   <a:schemeClr val="bg1"/>
                 </a:solidFill>
               </a:rPr>
               <a:t>Website</a:t>
             </a:r>
-            <a:endParaRPr lang="es-ES" dirty="0">
-              <a:solidFill>
-                <a:schemeClr val="bg1"/>
-              </a:solidFill>
-            </a:endParaRPr>
           </a:p>
           <a:p>
             <a:r>
-              <a:rPr lang="es-ES" dirty="0" err="1">
+              <a:rPr lang="en-GB" dirty="0">
                 <a:solidFill>
                   <a:schemeClr val="bg1"/>
                 </a:solidFill>
               </a:rPr>
               <a:t>Immersion</a:t>
             </a:r>
-            <a:endParaRPr lang="es-ES" dirty="0">
-              <a:solidFill>
-                <a:schemeClr val="bg1"/>
-              </a:solidFill>
-            </a:endParaRPr>
           </a:p>
           <a:p>
             <a:r>
-              <a:rPr lang="es-ES" dirty="0" err="1">
+              <a:rPr lang="en-GB" dirty="0">
                 <a:solidFill>
                   <a:schemeClr val="bg1"/>
                 </a:solidFill>
               </a:rPr>
-              <a:t>Event</a:t>
+              <a:t>Event Calendar</a:t>
             </a:r>
+          </a:p>
+          <a:p>
             <a:r>
-              <a:rPr lang="es-ES" dirty="0">
+              <a:rPr lang="en-GB" dirty="0">
                 <a:solidFill>
                   <a:schemeClr val="bg1"/>
                 </a:solidFill>
               </a:rPr>
-              <a:t> Calendar</a:t>
+              <a:t>DevOps Labs</a:t>
             </a:r>
           </a:p>
           <a:p>
             <a:r>
-              <a:rPr lang="es-ES" dirty="0">
+              <a:rPr lang="en-GB" dirty="0">
                 <a:solidFill>
                   <a:schemeClr val="bg1"/>
                 </a:solidFill>
               </a:rPr>
-              <a:t>DevOps </a:t>
+              <a:t>AI School</a:t>
             </a:r>
+          </a:p>
+          <a:p>
             <a:r>
-              <a:rPr lang="es-ES" dirty="0" err="1">
-                <a:solidFill>
-                  <a:schemeClr val="bg1"/>
-                </a:solidFill>
-              </a:rPr>
-              <a:t>Labs</a:t>
-            </a:r>
-            <a:endParaRPr lang="es-ES" dirty="0">
-              <a:solidFill>
-                <a:schemeClr val="bg1"/>
-              </a:solidFill>
-            </a:endParaRPr>
-          </a:p>
-          <a:p>
-            <a:r>
-              <a:rPr lang="es-ES" dirty="0">
-                <a:solidFill>
-                  <a:schemeClr val="bg1"/>
-                </a:solidFill>
-              </a:rPr>
-              <a:t>AI </a:t>
-            </a:r>
-            <a:r>
-              <a:rPr lang="es-ES" dirty="0" err="1">
-                <a:solidFill>
-                  <a:schemeClr val="bg1"/>
-                </a:solidFill>
-              </a:rPr>
-              <a:t>School</a:t>
-            </a:r>
-            <a:endParaRPr lang="es-ES" dirty="0">
-              <a:solidFill>
-                <a:schemeClr val="bg1"/>
-              </a:solidFill>
-            </a:endParaRPr>
-          </a:p>
-          <a:p>
-            <a:r>
-              <a:rPr lang="es-ES" dirty="0" err="1">
+              <a:rPr lang="en-GB" dirty="0" err="1">
                 <a:solidFill>
                   <a:schemeClr val="bg1"/>
                 </a:solidFill>
               </a:rPr>
               <a:t>OpenHack</a:t>
             </a:r>
-            <a:endParaRPr lang="es-ES" dirty="0">
+            <a:endParaRPr lang="en-GB" dirty="0">
               <a:solidFill>
                 <a:schemeClr val="bg1"/>
               </a:solidFill>
@@ -12460,18 +12392,13 @@
           </a:p>
           <a:p>
             <a:r>
-              <a:rPr lang="es-ES" dirty="0" err="1">
+              <a:rPr lang="en-GB" dirty="0">
                 <a:solidFill>
                   <a:schemeClr val="bg1"/>
                 </a:solidFill>
               </a:rPr>
               <a:t>Docs</a:t>
             </a:r>
-            <a:endParaRPr lang="es-ES" dirty="0">
-              <a:solidFill>
-                <a:schemeClr val="bg1"/>
-              </a:solidFill>
-            </a:endParaRPr>
           </a:p>
         </p:txBody>
       </p:sp>
@@ -12585,34 +12512,14 @@
           <a:lstStyle/>
           <a:p>
             <a:r>
-              <a:rPr lang="es-ES" dirty="0" err="1"/>
-              <a:t>Want</a:t>
-            </a:r>
-            <a:r>
-              <a:rPr lang="es-ES" dirty="0"/>
-              <a:t> </a:t>
-            </a:r>
-            <a:r>
-              <a:rPr lang="es-ES" dirty="0" err="1"/>
-              <a:t>to</a:t>
-            </a:r>
-            <a:r>
-              <a:rPr lang="es-ES" dirty="0"/>
-              <a:t> </a:t>
-            </a:r>
-            <a:r>
-              <a:rPr lang="es-ES" dirty="0" err="1"/>
-              <a:t>follow</a:t>
-            </a:r>
-            <a:r>
-              <a:rPr lang="es-ES" dirty="0"/>
-              <a:t> me?</a:t>
+              <a:rPr lang="en-GB" dirty="0"/>
+              <a:t>Want to follow me?</a:t>
             </a:r>
             <a:br>
-              <a:rPr lang="es-ES" dirty="0"/>
+              <a:rPr lang="en-GB" dirty="0"/>
             </a:br>
             <a:r>
-              <a:rPr lang="es-ES" dirty="0">
+              <a:rPr lang="en-GB" dirty="0">
                 <a:solidFill>
                   <a:schemeClr val="accent1">
                     <a:lumMod val="75000"/>
@@ -12626,128 +12533,9 @@
                   </a:extLst>
                 </a:hlinkClick>
               </a:rPr>
-              <a:t>Check </a:t>
+              <a:t>Check out the Slide Deck</a:t>
             </a:r>
-            <a:r>
-              <a:rPr lang="es-ES" dirty="0" err="1">
-                <a:solidFill>
-                  <a:schemeClr val="accent1">
-                    <a:lumMod val="75000"/>
-                  </a:schemeClr>
-                </a:solidFill>
-                <a:hlinkClick r:id="rId2">
-                  <a:extLst>
-                    <a:ext uri="{A12FA001-AC4F-418D-AE19-62706E023703}">
-                      <ahyp:hlinkClr xmlns:ahyp="http://schemas.microsoft.com/office/drawing/2018/hyperlinkcolor" val="tx"/>
-                    </a:ext>
-                  </a:extLst>
-                </a:hlinkClick>
-              </a:rPr>
-              <a:t>out</a:t>
-            </a:r>
-            <a:r>
-              <a:rPr lang="es-ES" dirty="0">
-                <a:solidFill>
-                  <a:schemeClr val="accent1">
-                    <a:lumMod val="75000"/>
-                  </a:schemeClr>
-                </a:solidFill>
-                <a:hlinkClick r:id="rId2">
-                  <a:extLst>
-                    <a:ext uri="{A12FA001-AC4F-418D-AE19-62706E023703}">
-                      <ahyp:hlinkClr xmlns:ahyp="http://schemas.microsoft.com/office/drawing/2018/hyperlinkcolor" val="tx"/>
-                    </a:ext>
-                  </a:extLst>
-                </a:hlinkClick>
-              </a:rPr>
-              <a:t> </a:t>
-            </a:r>
-            <a:r>
-              <a:rPr lang="es-ES" dirty="0" err="1">
-                <a:solidFill>
-                  <a:schemeClr val="accent1">
-                    <a:lumMod val="75000"/>
-                  </a:schemeClr>
-                </a:solidFill>
-                <a:hlinkClick r:id="rId2">
-                  <a:extLst>
-                    <a:ext uri="{A12FA001-AC4F-418D-AE19-62706E023703}">
-                      <ahyp:hlinkClr xmlns:ahyp="http://schemas.microsoft.com/office/drawing/2018/hyperlinkcolor" val="tx"/>
-                    </a:ext>
-                  </a:extLst>
-                </a:hlinkClick>
-              </a:rPr>
-              <a:t>the</a:t>
-            </a:r>
-            <a:r>
-              <a:rPr lang="es-ES" dirty="0">
-                <a:solidFill>
-                  <a:schemeClr val="accent1">
-                    <a:lumMod val="75000"/>
-                  </a:schemeClr>
-                </a:solidFill>
-                <a:hlinkClick r:id="rId2">
-                  <a:extLst>
-                    <a:ext uri="{A12FA001-AC4F-418D-AE19-62706E023703}">
-                      <ahyp:hlinkClr xmlns:ahyp="http://schemas.microsoft.com/office/drawing/2018/hyperlinkcolor" val="tx"/>
-                    </a:ext>
-                  </a:extLst>
-                </a:hlinkClick>
-              </a:rPr>
-              <a:t> </a:t>
-            </a:r>
-            <a:r>
-              <a:rPr lang="es-ES" dirty="0" err="1">
-                <a:solidFill>
-                  <a:schemeClr val="accent1">
-                    <a:lumMod val="75000"/>
-                  </a:schemeClr>
-                </a:solidFill>
-                <a:hlinkClick r:id="rId2">
-                  <a:extLst>
-                    <a:ext uri="{A12FA001-AC4F-418D-AE19-62706E023703}">
-                      <ahyp:hlinkClr xmlns:ahyp="http://schemas.microsoft.com/office/drawing/2018/hyperlinkcolor" val="tx"/>
-                    </a:ext>
-                  </a:extLst>
-                </a:hlinkClick>
-              </a:rPr>
-              <a:t>Slide</a:t>
-            </a:r>
-            <a:r>
-              <a:rPr lang="es-ES" dirty="0">
-                <a:solidFill>
-                  <a:schemeClr val="accent1">
-                    <a:lumMod val="75000"/>
-                  </a:schemeClr>
-                </a:solidFill>
-                <a:hlinkClick r:id="rId2">
-                  <a:extLst>
-                    <a:ext uri="{A12FA001-AC4F-418D-AE19-62706E023703}">
-                      <ahyp:hlinkClr xmlns:ahyp="http://schemas.microsoft.com/office/drawing/2018/hyperlinkcolor" val="tx"/>
-                    </a:ext>
-                  </a:extLst>
-                </a:hlinkClick>
-              </a:rPr>
-              <a:t> </a:t>
-            </a:r>
-            <a:r>
-              <a:rPr lang="es-ES" dirty="0" err="1">
-                <a:solidFill>
-                  <a:schemeClr val="accent1">
-                    <a:lumMod val="75000"/>
-                  </a:schemeClr>
-                </a:solidFill>
-                <a:hlinkClick r:id="rId2">
-                  <a:extLst>
-                    <a:ext uri="{A12FA001-AC4F-418D-AE19-62706E023703}">
-                      <ahyp:hlinkClr xmlns:ahyp="http://schemas.microsoft.com/office/drawing/2018/hyperlinkcolor" val="tx"/>
-                    </a:ext>
-                  </a:extLst>
-                </a:hlinkClick>
-              </a:rPr>
-              <a:t>Deck</a:t>
-            </a:r>
-            <a:endParaRPr lang="es-MX" dirty="0">
+            <a:endParaRPr lang="en-GB" dirty="0">
               <a:solidFill>
                 <a:schemeClr val="accent1">
                   <a:lumMod val="75000"/>
@@ -12820,7 +12608,7 @@
           <a:graphicData uri="http://schemas.openxmlformats.org/presentationml/2006/ole">
             <mc:AlternateContent xmlns:mc="http://schemas.openxmlformats.org/markup-compatibility/2006">
               <mc:Choice xmlns:v="urn:schemas-microsoft-com:vml" Requires="v">
-                <p:oleObj spid="_x0000_s3103" name="think-cell Slide" r:id="rId5" imgW="270" imgH="270" progId="TCLayout.ActiveDocument.1">
+                <p:oleObj spid="_x0000_s3107" name="think-cell Slide" r:id="rId5" imgW="270" imgH="270" progId="TCLayout.ActiveDocument.1">
                   <p:embed/>
                 </p:oleObj>
               </mc:Choice>
@@ -17510,15 +17298,6 @@
 </file>
 
 <file path=customXml/item1.xml><?xml version="1.0" encoding="utf-8"?>
-<?mso-contentType ?>
-<FormTemplates xmlns="http://schemas.microsoft.com/sharepoint/v3/contenttype/forms">
-  <Display>DocumentLibraryForm</Display>
-  <Edit>DocumentLibraryForm</Edit>
-  <New>DocumentLibraryForm</New>
-</FormTemplates>
-</file>
-
-<file path=customXml/item2.xml><?xml version="1.0" encoding="utf-8"?>
 <ct:contentTypeSchema xmlns:ct="http://schemas.microsoft.com/office/2006/metadata/contentType" xmlns:ma="http://schemas.microsoft.com/office/2006/metadata/properties/metaAttributes" ct:_="" ma:_="" ma:contentTypeName="Documento" ma:contentTypeID="0x010100F152EDF0EAA04C4988367734B10F75EA" ma:contentTypeVersion="5" ma:contentTypeDescription="Crear nuevo documento." ma:contentTypeScope="" ma:versionID="cb7ba8759e104ba79b8106b09e666f08">
   <xsd:schema xmlns:xsd="http://www.w3.org/2001/XMLSchema" xmlns:xs="http://www.w3.org/2001/XMLSchema" xmlns:p="http://schemas.microsoft.com/office/2006/metadata/properties" xmlns:ns2="ee5f92b3-d21d-40bb-bae7-985cf76f8877" targetNamespace="http://schemas.microsoft.com/office/2006/metadata/properties" ma:root="true" ma:fieldsID="cfec149b812e708e5f9d2a1b6db68073" ns2:_="">
     <xsd:import namespace="ee5f92b3-d21d-40bb-bae7-985cf76f8877"/>
@@ -17670,6 +17449,15 @@
 </ct:contentTypeSchema>
 </file>
 
+<file path=customXml/item2.xml><?xml version="1.0" encoding="utf-8"?>
+<?mso-contentType ?>
+<FormTemplates xmlns="http://schemas.microsoft.com/sharepoint/v3/contenttype/forms">
+  <Display>DocumentLibraryForm</Display>
+  <Edit>DocumentLibraryForm</Edit>
+  <New>DocumentLibraryForm</New>
+</FormTemplates>
+</file>
+
 <file path=customXml/item3.xml><?xml version="1.0" encoding="utf-8"?>
 <p:properties xmlns:p="http://schemas.microsoft.com/office/2006/metadata/properties" xmlns:xsi="http://www.w3.org/2001/XMLSchema-instance" xmlns:pc="http://schemas.microsoft.com/office/infopath/2007/PartnerControls">
   <documentManagement/>
@@ -17677,14 +17465,6 @@
 </file>
 
 <file path=customXml/itemProps1.xml><?xml version="1.0" encoding="utf-8"?>
-<ds:datastoreItem xmlns:ds="http://schemas.openxmlformats.org/officeDocument/2006/customXml" ds:itemID="{99485881-6012-4CF1-BF5A-57C98AD2B100}">
-  <ds:schemaRefs>
-    <ds:schemaRef ds:uri="http://schemas.microsoft.com/sharepoint/v3/contenttype/forms"/>
-  </ds:schemaRefs>
-</ds:datastoreItem>
-</file>
-
-<file path=customXml/itemProps2.xml><?xml version="1.0" encoding="utf-8"?>
 <ds:datastoreItem xmlns:ds="http://schemas.openxmlformats.org/officeDocument/2006/customXml" ds:itemID="{96C59E2C-E2BC-4CEC-91C3-61649EB7CD09}">
   <ds:schemaRefs>
     <ds:schemaRef ds:uri="http://schemas.microsoft.com/office/2006/metadata/contentType"/>
@@ -17698,6 +17478,14 @@
     <ds:schemaRef ds:uri="http://purl.org/dc/elements/1.1/"/>
     <ds:schemaRef ds:uri="http://purl.org/dc/terms/"/>
     <ds:schemaRef ds:uri="http://schemas.microsoft.com/internal/obd"/>
+  </ds:schemaRefs>
+</ds:datastoreItem>
+</file>
+
+<file path=customXml/itemProps2.xml><?xml version="1.0" encoding="utf-8"?>
+<ds:datastoreItem xmlns:ds="http://schemas.openxmlformats.org/officeDocument/2006/customXml" ds:itemID="{99485881-6012-4CF1-BF5A-57C98AD2B100}">
+  <ds:schemaRefs>
+    <ds:schemaRef ds:uri="http://schemas.microsoft.com/sharepoint/v3/contenttype/forms"/>
   </ds:schemaRefs>
 </ds:datastoreItem>
 </file>
